--- a/class1/Class1A_Intros.pptx
+++ b/class1/Class1A_Intros.pptx
@@ -5,17 +5,16 @@
     <p:sldMasterId id="2147483660" r:id="rId1"/>
   </p:sldMasterIdLst>
   <p:notesMasterIdLst>
-    <p:notesMasterId r:id="rId10"/>
+    <p:notesMasterId r:id="rId9"/>
   </p:notesMasterIdLst>
   <p:sldIdLst>
     <p:sldId id="593" r:id="rId2"/>
     <p:sldId id="754" r:id="rId3"/>
     <p:sldId id="755" r:id="rId4"/>
-    <p:sldId id="632" r:id="rId5"/>
-    <p:sldId id="741" r:id="rId6"/>
-    <p:sldId id="742" r:id="rId7"/>
-    <p:sldId id="743" r:id="rId8"/>
-    <p:sldId id="753" r:id="rId9"/>
+    <p:sldId id="741" r:id="rId5"/>
+    <p:sldId id="742" r:id="rId6"/>
+    <p:sldId id="743" r:id="rId7"/>
+    <p:sldId id="753" r:id="rId8"/>
   </p:sldIdLst>
   <p:sldSz cx="9144000" cy="6858000" type="screen4x3"/>
   <p:notesSz cx="6858000" cy="9144000"/>
@@ -4635,853 +4634,6 @@
           <a:bodyPr/>
           <a:lstStyle/>
           <a:p>
-            <a:fld id="{1E500569-CA1A-4C1C-A9A7-A8B7E25ECCE5}" type="datetime1">
-              <a:rPr lang="en-US" smtClean="0"/>
-              <a:t>2/21/2022</a:t>
-            </a:fld>
-            <a:endParaRPr lang="en-US"/>
-          </a:p>
-        </p:txBody>
-      </p:sp>
-      <p:sp>
-        <p:nvSpPr>
-          <p:cNvPr id="3" name="Title 2"/>
-          <p:cNvSpPr>
-            <a:spLocks noGrp="1"/>
-          </p:cNvSpPr>
-          <p:nvPr>
-            <p:ph type="title"/>
-          </p:nvPr>
-        </p:nvSpPr>
-        <p:spPr/>
-        <p:txBody>
-          <a:bodyPr/>
-          <a:lstStyle/>
-          <a:p>
-            <a:r>
-              <a:rPr lang="en-US" dirty="0"/>
-              <a:t>Syllabus Review</a:t>
-            </a:r>
-          </a:p>
-        </p:txBody>
-      </p:sp>
-      <p:sp>
-        <p:nvSpPr>
-          <p:cNvPr id="4" name="Slide Number Placeholder 3"/>
-          <p:cNvSpPr>
-            <a:spLocks noGrp="1"/>
-          </p:cNvSpPr>
-          <p:nvPr>
-            <p:ph type="sldNum" sz="quarter" idx="12"/>
-          </p:nvPr>
-        </p:nvSpPr>
-        <p:spPr/>
-        <p:txBody>
-          <a:bodyPr/>
-          <a:lstStyle/>
-          <a:p>
-            <a:fld id="{37290FF7-652B-4475-AEAB-8B1A5D23AE09}" type="slidenum">
-              <a:rPr lang="en-US" smtClean="0"/>
-              <a:t>4</a:t>
-            </a:fld>
-            <a:endParaRPr lang="en-US"/>
-          </a:p>
-        </p:txBody>
-      </p:sp>
-      <p:sp>
-        <p:nvSpPr>
-          <p:cNvPr id="5" name="Footer Placeholder 4"/>
-          <p:cNvSpPr>
-            <a:spLocks noGrp="1"/>
-          </p:cNvSpPr>
-          <p:nvPr>
-            <p:ph type="ftr" sz="quarter" idx="3"/>
-          </p:nvPr>
-        </p:nvSpPr>
-        <p:spPr/>
-        <p:txBody>
-          <a:bodyPr/>
-          <a:lstStyle/>
-          <a:p>
-            <a:r>
-              <a:rPr lang="en-US"/>
-              <a:t>Neupane</a:t>
-            </a:r>
-            <a:endParaRPr lang="en-US" dirty="0"/>
-          </a:p>
-        </p:txBody>
-      </p:sp>
-      <p:cxnSp>
-        <p:nvCxnSpPr>
-          <p:cNvPr id="8" name="Straight Connector 7">
-            <a:extLst>
-              <a:ext uri="{FF2B5EF4-FFF2-40B4-BE49-F238E27FC236}">
-                <a16:creationId xmlns:a16="http://schemas.microsoft.com/office/drawing/2014/main" id="{F0AF564C-D2E7-4442-A105-D9BF3735393E}"/>
-              </a:ext>
-            </a:extLst>
-          </p:cNvPr>
-          <p:cNvCxnSpPr/>
-          <p:nvPr/>
-        </p:nvCxnSpPr>
-        <p:spPr>
-          <a:xfrm>
-            <a:off x="6798363" y="6549885"/>
-            <a:ext cx="0" cy="182880"/>
-          </a:xfrm>
-          <a:prstGeom prst="line">
-            <a:avLst/>
-          </a:prstGeom>
-          <a:ln>
-            <a:solidFill>
-              <a:schemeClr val="bg1">
-                <a:lumMod val="85000"/>
-              </a:schemeClr>
-            </a:solidFill>
-          </a:ln>
-        </p:spPr>
-        <p:style>
-          <a:lnRef idx="1">
-            <a:schemeClr val="accent1"/>
-          </a:lnRef>
-          <a:fillRef idx="0">
-            <a:schemeClr val="accent1"/>
-          </a:fillRef>
-          <a:effectRef idx="0">
-            <a:schemeClr val="accent1"/>
-          </a:effectRef>
-          <a:fontRef idx="minor">
-            <a:schemeClr val="tx1"/>
-          </a:fontRef>
-        </p:style>
-      </p:cxnSp>
-      <p:cxnSp>
-        <p:nvCxnSpPr>
-          <p:cNvPr id="9" name="Straight Connector 8">
-            <a:extLst>
-              <a:ext uri="{FF2B5EF4-FFF2-40B4-BE49-F238E27FC236}">
-                <a16:creationId xmlns:a16="http://schemas.microsoft.com/office/drawing/2014/main" id="{A34FE397-BF8D-CD48-9E9C-15FE7E4D5945}"/>
-              </a:ext>
-            </a:extLst>
-          </p:cNvPr>
-          <p:cNvCxnSpPr/>
-          <p:nvPr/>
-        </p:nvCxnSpPr>
-        <p:spPr>
-          <a:xfrm>
-            <a:off x="7076661" y="4664763"/>
-            <a:ext cx="182880" cy="0"/>
-          </a:xfrm>
-          <a:prstGeom prst="line">
-            <a:avLst/>
-          </a:prstGeom>
-          <a:ln>
-            <a:solidFill>
-              <a:schemeClr val="bg1">
-                <a:lumMod val="85000"/>
-              </a:schemeClr>
-            </a:solidFill>
-          </a:ln>
-        </p:spPr>
-        <p:style>
-          <a:lnRef idx="1">
-            <a:schemeClr val="accent1"/>
-          </a:lnRef>
-          <a:fillRef idx="0">
-            <a:schemeClr val="accent1"/>
-          </a:fillRef>
-          <a:effectRef idx="0">
-            <a:schemeClr val="accent1"/>
-          </a:effectRef>
-          <a:fontRef idx="minor">
-            <a:schemeClr val="tx1"/>
-          </a:fontRef>
-        </p:style>
-      </p:cxnSp>
-      <p:sp>
-        <p:nvSpPr>
-          <p:cNvPr id="7" name="Rectangle 6">
-            <a:extLst>
-              <a:ext uri="{FF2B5EF4-FFF2-40B4-BE49-F238E27FC236}">
-                <a16:creationId xmlns:a16="http://schemas.microsoft.com/office/drawing/2014/main" id="{47432760-9258-924E-B9BA-2F188181850B}"/>
-              </a:ext>
-            </a:extLst>
-          </p:cNvPr>
-          <p:cNvSpPr/>
-          <p:nvPr/>
-        </p:nvSpPr>
-        <p:spPr>
-          <a:xfrm>
-            <a:off x="208643" y="1093928"/>
-            <a:ext cx="8726714" cy="307777"/>
-          </a:xfrm>
-          <a:prstGeom prst="rect">
-            <a:avLst/>
-          </a:prstGeom>
-        </p:spPr>
-        <p:txBody>
-          <a:bodyPr wrap="square">
-            <a:spAutoFit/>
-          </a:bodyPr>
-          <a:lstStyle/>
-          <a:p>
-            <a:r>
-              <a:rPr lang="en-US" sz="1400" dirty="0"/>
-              <a:t>https://github.com/BikalpaN/Text-Mining-NLP</a:t>
-            </a:r>
-          </a:p>
-        </p:txBody>
-      </p:sp>
-      <p:graphicFrame>
-        <p:nvGraphicFramePr>
-          <p:cNvPr id="13" name="Table 13">
-            <a:extLst>
-              <a:ext uri="{FF2B5EF4-FFF2-40B4-BE49-F238E27FC236}">
-                <a16:creationId xmlns:a16="http://schemas.microsoft.com/office/drawing/2014/main" id="{F6065A8C-79C9-A042-A415-8BA76FA56331}"/>
-              </a:ext>
-            </a:extLst>
-          </p:cNvPr>
-          <p:cNvGraphicFramePr>
-            <a:graphicFrameLocks noGrp="1"/>
-          </p:cNvGraphicFramePr>
-          <p:nvPr>
-            <p:extLst>
-              <p:ext uri="{D42A27DB-BD31-4B8C-83A1-F6EECF244321}">
-                <p14:modId xmlns:p14="http://schemas.microsoft.com/office/powerpoint/2010/main" val="1411231842"/>
-              </p:ext>
-            </p:extLst>
-          </p:nvPr>
-        </p:nvGraphicFramePr>
-        <p:xfrm>
-          <a:off x="361950" y="1617148"/>
-          <a:ext cx="6096000" cy="3261360"/>
-        </p:xfrm>
-        <a:graphic>
-          <a:graphicData uri="http://schemas.openxmlformats.org/drawingml/2006/table">
-            <a:tbl>
-              <a:tblPr firstRow="1" bandRow="1">
-                <a:tableStyleId>{F5AB1C69-6EDB-4FF4-983F-18BD219EF322}</a:tableStyleId>
-              </a:tblPr>
-              <a:tblGrid>
-                <a:gridCol w="2032000">
-                  <a:extLst>
-                    <a:ext uri="{9D8B030D-6E8A-4147-A177-3AD203B41FA5}">
-                      <a16:colId xmlns:a16="http://schemas.microsoft.com/office/drawing/2014/main" val="1264444164"/>
-                    </a:ext>
-                  </a:extLst>
-                </a:gridCol>
-                <a:gridCol w="2032000">
-                  <a:extLst>
-                    <a:ext uri="{9D8B030D-6E8A-4147-A177-3AD203B41FA5}">
-                      <a16:colId xmlns:a16="http://schemas.microsoft.com/office/drawing/2014/main" val="3040218305"/>
-                    </a:ext>
-                  </a:extLst>
-                </a:gridCol>
-                <a:gridCol w="2032000">
-                  <a:extLst>
-                    <a:ext uri="{9D8B030D-6E8A-4147-A177-3AD203B41FA5}">
-                      <a16:colId xmlns:a16="http://schemas.microsoft.com/office/drawing/2014/main" val="1970486634"/>
-                    </a:ext>
-                  </a:extLst>
-                </a:gridCol>
-              </a:tblGrid>
-              <a:tr h="370840">
-                <a:tc>
-                  <a:txBody>
-                    <a:bodyPr/>
-                    <a:lstStyle/>
-                    <a:p>
-                      <a:r>
-                        <a:rPr lang="en-US" sz="1400" b="0" dirty="0">
-                          <a:latin typeface="+mn-lt"/>
-                        </a:rPr>
-                        <a:t>Assignment</a:t>
-                      </a:r>
-                    </a:p>
-                  </a:txBody>
-                  <a:tcPr/>
-                </a:tc>
-                <a:tc>
-                  <a:txBody>
-                    <a:bodyPr/>
-                    <a:lstStyle/>
-                    <a:p>
-                      <a:r>
-                        <a:rPr lang="en-US" sz="1400" b="0" dirty="0">
-                          <a:latin typeface="+mn-lt"/>
-                        </a:rPr>
-                        <a:t>Due Date </a:t>
-                      </a:r>
-                      <a:r>
-                        <a:rPr lang="en-US" sz="1400" b="0" u="sng" dirty="0">
-                          <a:latin typeface="+mn-lt"/>
-                        </a:rPr>
-                        <a:t>5pm</a:t>
-                      </a:r>
-                    </a:p>
-                  </a:txBody>
-                  <a:tcPr/>
-                </a:tc>
-                <a:tc>
-                  <a:txBody>
-                    <a:bodyPr/>
-                    <a:lstStyle/>
-                    <a:p>
-                      <a:pPr algn="ctr"/>
-                      <a:r>
-                        <a:rPr lang="en-US" sz="1400" b="0" dirty="0">
-                          <a:latin typeface="+mn-lt"/>
-                        </a:rPr>
-                        <a:t>%</a:t>
-                      </a:r>
-                    </a:p>
-                  </a:txBody>
-                  <a:tcPr/>
-                </a:tc>
-                <a:extLst>
-                  <a:ext uri="{0D108BD9-81ED-4DB2-BD59-A6C34878D82A}">
-                    <a16:rowId xmlns:a16="http://schemas.microsoft.com/office/drawing/2014/main" val="331576273"/>
-                  </a:ext>
-                </a:extLst>
-              </a:tr>
-              <a:tr h="370840">
-                <a:tc>
-                  <a:txBody>
-                    <a:bodyPr/>
-                    <a:lstStyle/>
-                    <a:p>
-                      <a:pPr marL="0" marR="0" lvl="0" indent="0" algn="l" defTabSz="685800" rtl="0" eaLnBrk="1" fontAlgn="auto" latinLnBrk="0" hangingPunct="1">
-                        <a:lnSpc>
-                          <a:spcPct val="100000"/>
-                        </a:lnSpc>
-                        <a:spcBef>
-                          <a:spcPts val="0"/>
-                        </a:spcBef>
-                        <a:spcAft>
-                          <a:spcPts val="0"/>
-                        </a:spcAft>
-                        <a:buClrTx/>
-                        <a:buSzTx/>
-                        <a:buFontTx/>
-                        <a:buNone/>
-                        <a:tabLst/>
-                        <a:defRPr/>
-                      </a:pPr>
-                      <a:r>
-                        <a:rPr lang="en-US" sz="1400" b="0" dirty="0">
-                          <a:solidFill>
-                            <a:srgbClr val="000000"/>
-                          </a:solidFill>
-                          <a:uFill>
-                            <a:solidFill>
-                              <a:srgbClr val="000000"/>
-                            </a:solidFill>
-                          </a:uFill>
-                          <a:latin typeface="+mn-lt"/>
-                          <a:ea typeface="Arial Unicode MS" panose="020B0604020202020204" pitchFamily="34" charset="-128"/>
-                          <a:cs typeface="Arial Unicode MS" panose="020B0604020202020204" pitchFamily="34" charset="-128"/>
-                        </a:rPr>
-                        <a:t>1. Skillset Assessment</a:t>
-                      </a:r>
-                    </a:p>
-                  </a:txBody>
-                  <a:tcPr/>
-                </a:tc>
-                <a:tc>
-                  <a:txBody>
-                    <a:bodyPr/>
-                    <a:lstStyle/>
-                    <a:p>
-                      <a:pPr algn="ctr"/>
-                      <a:r>
-                        <a:rPr lang="en-US" sz="1400" b="0" dirty="0">
-                          <a:latin typeface="+mn-lt"/>
-                        </a:rPr>
-                        <a:t>Feb 24</a:t>
-                      </a:r>
-                    </a:p>
-                  </a:txBody>
-                  <a:tcPr/>
-                </a:tc>
-                <a:tc>
-                  <a:txBody>
-                    <a:bodyPr/>
-                    <a:lstStyle/>
-                    <a:p>
-                      <a:pPr algn="ctr"/>
-                      <a:r>
-                        <a:rPr lang="en-US" sz="1400" b="0" dirty="0">
-                          <a:latin typeface="+mn-lt"/>
-                        </a:rPr>
-                        <a:t>5%</a:t>
-                      </a:r>
-                    </a:p>
-                  </a:txBody>
-                  <a:tcPr/>
-                </a:tc>
-                <a:extLst>
-                  <a:ext uri="{0D108BD9-81ED-4DB2-BD59-A6C34878D82A}">
-                    <a16:rowId xmlns:a16="http://schemas.microsoft.com/office/drawing/2014/main" val="1970120059"/>
-                  </a:ext>
-                </a:extLst>
-              </a:tr>
-              <a:tr h="370840">
-                <a:tc>
-                  <a:txBody>
-                    <a:bodyPr/>
-                    <a:lstStyle/>
-                    <a:p>
-                      <a:r>
-                        <a:rPr lang="en-US" sz="1400" b="0" kern="1200" dirty="0">
-                          <a:solidFill>
-                            <a:srgbClr val="000000"/>
-                          </a:solidFill>
-                          <a:uFill>
-                            <a:solidFill>
-                              <a:srgbClr val="000000"/>
-                            </a:solidFill>
-                          </a:uFill>
-                          <a:latin typeface="+mn-lt"/>
-                          <a:ea typeface="Arial Unicode MS" panose="020B0604020202020204" pitchFamily="34" charset="-128"/>
-                          <a:cs typeface="Arial Unicode MS" panose="020B0604020202020204" pitchFamily="34" charset="-128"/>
-                        </a:rPr>
-                        <a:t>2. Homework I</a:t>
-                      </a:r>
-                    </a:p>
-                  </a:txBody>
-                  <a:tcPr/>
-                </a:tc>
-                <a:tc>
-                  <a:txBody>
-                    <a:bodyPr/>
-                    <a:lstStyle/>
-                    <a:p>
-                      <a:pPr algn="ctr"/>
-                      <a:r>
-                        <a:rPr lang="en-US" sz="1400" b="0" dirty="0">
-                          <a:latin typeface="+mn-lt"/>
-                        </a:rPr>
-                        <a:t>Feb 25</a:t>
-                      </a:r>
-                    </a:p>
-                  </a:txBody>
-                  <a:tcPr/>
-                </a:tc>
-                <a:tc>
-                  <a:txBody>
-                    <a:bodyPr/>
-                    <a:lstStyle/>
-                    <a:p>
-                      <a:pPr algn="ctr"/>
-                      <a:r>
-                        <a:rPr lang="en-US" sz="1400" b="0" dirty="0">
-                          <a:latin typeface="+mn-lt"/>
-                        </a:rPr>
-                        <a:t>10%</a:t>
-                      </a:r>
-                    </a:p>
-                  </a:txBody>
-                  <a:tcPr/>
-                </a:tc>
-                <a:extLst>
-                  <a:ext uri="{0D108BD9-81ED-4DB2-BD59-A6C34878D82A}">
-                    <a16:rowId xmlns:a16="http://schemas.microsoft.com/office/drawing/2014/main" val="665708068"/>
-                  </a:ext>
-                </a:extLst>
-              </a:tr>
-              <a:tr h="370840">
-                <a:tc>
-                  <a:txBody>
-                    <a:bodyPr/>
-                    <a:lstStyle/>
-                    <a:p>
-                      <a:r>
-                        <a:rPr lang="en-US" sz="1400" b="0" kern="1200" dirty="0">
-                          <a:solidFill>
-                            <a:srgbClr val="FF0000"/>
-                          </a:solidFill>
-                          <a:uFill>
-                            <a:solidFill>
-                              <a:srgbClr val="000000"/>
-                            </a:solidFill>
-                          </a:uFill>
-                          <a:latin typeface="+mn-lt"/>
-                          <a:ea typeface="Arial Unicode MS" panose="020B0604020202020204" pitchFamily="34" charset="-128"/>
-                          <a:cs typeface="Arial Unicode MS" panose="020B0604020202020204" pitchFamily="34" charset="-128"/>
-                        </a:rPr>
-                        <a:t>3. CASE I. </a:t>
-                      </a:r>
-                    </a:p>
-                  </a:txBody>
-                  <a:tcPr/>
-                </a:tc>
-                <a:tc>
-                  <a:txBody>
-                    <a:bodyPr/>
-                    <a:lstStyle/>
-                    <a:p>
-                      <a:pPr algn="ctr"/>
-                      <a:r>
-                        <a:rPr lang="en-US" sz="1400" b="0" dirty="0">
-                          <a:solidFill>
-                            <a:srgbClr val="FF0000"/>
-                          </a:solidFill>
-                          <a:latin typeface="+mn-lt"/>
-                        </a:rPr>
-                        <a:t>Mar 1</a:t>
-                      </a:r>
-                    </a:p>
-                  </a:txBody>
-                  <a:tcPr/>
-                </a:tc>
-                <a:tc>
-                  <a:txBody>
-                    <a:bodyPr/>
-                    <a:lstStyle/>
-                    <a:p>
-                      <a:pPr algn="ctr"/>
-                      <a:r>
-                        <a:rPr lang="en-US" sz="1400" b="0" dirty="0">
-                          <a:solidFill>
-                            <a:srgbClr val="FF0000"/>
-                          </a:solidFill>
-                          <a:latin typeface="+mn-lt"/>
-                        </a:rPr>
-                        <a:t>20%</a:t>
-                      </a:r>
-                    </a:p>
-                  </a:txBody>
-                  <a:tcPr/>
-                </a:tc>
-                <a:extLst>
-                  <a:ext uri="{0D108BD9-81ED-4DB2-BD59-A6C34878D82A}">
-                    <a16:rowId xmlns:a16="http://schemas.microsoft.com/office/drawing/2014/main" val="2000297010"/>
-                  </a:ext>
-                </a:extLst>
-              </a:tr>
-              <a:tr h="370840">
-                <a:tc>
-                  <a:txBody>
-                    <a:bodyPr/>
-                    <a:lstStyle/>
-                    <a:p>
-                      <a:r>
-                        <a:rPr lang="en-US" sz="1400" b="0" dirty="0">
-                          <a:solidFill>
-                            <a:srgbClr val="FF0000"/>
-                          </a:solidFill>
-                          <a:latin typeface="+mn-lt"/>
-                        </a:rPr>
-                        <a:t>4.  Case II. </a:t>
-                      </a:r>
-                    </a:p>
-                  </a:txBody>
-                  <a:tcPr/>
-                </a:tc>
-                <a:tc>
-                  <a:txBody>
-                    <a:bodyPr/>
-                    <a:lstStyle/>
-                    <a:p>
-                      <a:pPr algn="ctr"/>
-                      <a:r>
-                        <a:rPr lang="en-US" sz="1400" b="0" dirty="0">
-                          <a:solidFill>
-                            <a:srgbClr val="FF0000"/>
-                          </a:solidFill>
-                          <a:latin typeface="+mn-lt"/>
-                        </a:rPr>
-                        <a:t>Mar 8</a:t>
-                      </a:r>
-                    </a:p>
-                  </a:txBody>
-                  <a:tcPr/>
-                </a:tc>
-                <a:tc>
-                  <a:txBody>
-                    <a:bodyPr/>
-                    <a:lstStyle/>
-                    <a:p>
-                      <a:pPr algn="ctr"/>
-                      <a:r>
-                        <a:rPr lang="en-US" sz="1400" b="0" dirty="0">
-                          <a:solidFill>
-                            <a:srgbClr val="FF0000"/>
-                          </a:solidFill>
-                          <a:latin typeface="+mn-lt"/>
-                        </a:rPr>
-                        <a:t>30%</a:t>
-                      </a:r>
-                    </a:p>
-                  </a:txBody>
-                  <a:tcPr/>
-                </a:tc>
-                <a:extLst>
-                  <a:ext uri="{0D108BD9-81ED-4DB2-BD59-A6C34878D82A}">
-                    <a16:rowId xmlns:a16="http://schemas.microsoft.com/office/drawing/2014/main" val="3423465168"/>
-                  </a:ext>
-                </a:extLst>
-              </a:tr>
-              <a:tr h="370840">
-                <a:tc>
-                  <a:txBody>
-                    <a:bodyPr/>
-                    <a:lstStyle/>
-                    <a:p>
-                      <a:r>
-                        <a:rPr lang="en-US" sz="1400" b="0" dirty="0">
-                          <a:latin typeface="+mn-lt"/>
-                        </a:rPr>
-                        <a:t>5. Homework II</a:t>
-                      </a:r>
-                    </a:p>
-                  </a:txBody>
-                  <a:tcPr/>
-                </a:tc>
-                <a:tc>
-                  <a:txBody>
-                    <a:bodyPr/>
-                    <a:lstStyle/>
-                    <a:p>
-                      <a:pPr algn="ctr"/>
-                      <a:r>
-                        <a:rPr lang="en-US" sz="1400" b="0" dirty="0">
-                          <a:latin typeface="+mn-lt"/>
-                        </a:rPr>
-                        <a:t>Mar 12</a:t>
-                      </a:r>
-                    </a:p>
-                    <a:p>
-                      <a:pPr marL="0" marR="0" lvl="0" indent="0" algn="ctr" defTabSz="685800" rtl="0" eaLnBrk="1" fontAlgn="auto" latinLnBrk="0" hangingPunct="1">
-                        <a:lnSpc>
-                          <a:spcPct val="100000"/>
-                        </a:lnSpc>
-                        <a:spcBef>
-                          <a:spcPts val="0"/>
-                        </a:spcBef>
-                        <a:spcAft>
-                          <a:spcPts val="0"/>
-                        </a:spcAft>
-                        <a:buClrTx/>
-                        <a:buSzTx/>
-                        <a:buFontTx/>
-                        <a:buNone/>
-                        <a:tabLst/>
-                        <a:defRPr/>
-                      </a:pPr>
-                      <a:r>
-                        <a:rPr lang="en-US" sz="1400" b="0" dirty="0">
-                          <a:latin typeface="+mn-lt"/>
-                        </a:rPr>
-                        <a:t> (not a class)</a:t>
-                      </a:r>
-                    </a:p>
-                  </a:txBody>
-                  <a:tcPr/>
-                </a:tc>
-                <a:tc>
-                  <a:txBody>
-                    <a:bodyPr/>
-                    <a:lstStyle/>
-                    <a:p>
-                      <a:pPr algn="ctr"/>
-                      <a:r>
-                        <a:rPr lang="en-US" sz="1400" b="0" dirty="0">
-                          <a:latin typeface="+mn-lt"/>
-                        </a:rPr>
-                        <a:t>10%</a:t>
-                      </a:r>
-                    </a:p>
-                  </a:txBody>
-                  <a:tcPr/>
-                </a:tc>
-                <a:extLst>
-                  <a:ext uri="{0D108BD9-81ED-4DB2-BD59-A6C34878D82A}">
-                    <a16:rowId xmlns:a16="http://schemas.microsoft.com/office/drawing/2014/main" val="678770689"/>
-                  </a:ext>
-                </a:extLst>
-              </a:tr>
-              <a:tr h="370840">
-                <a:tc>
-                  <a:txBody>
-                    <a:bodyPr/>
-                    <a:lstStyle/>
-                    <a:p>
-                      <a:r>
-                        <a:rPr lang="en-US" sz="1400" b="0" dirty="0">
-                          <a:latin typeface="+mn-lt"/>
-                        </a:rPr>
-                        <a:t>6. Written Assignment</a:t>
-                      </a:r>
-                    </a:p>
-                  </a:txBody>
-                  <a:tcPr/>
-                </a:tc>
-                <a:tc>
-                  <a:txBody>
-                    <a:bodyPr/>
-                    <a:lstStyle/>
-                    <a:p>
-                      <a:pPr algn="ctr"/>
-                      <a:r>
-                        <a:rPr lang="en-US" sz="1400" b="0" dirty="0">
-                          <a:latin typeface="+mn-lt"/>
-                        </a:rPr>
-                        <a:t>Mar 12</a:t>
-                      </a:r>
-                    </a:p>
-                    <a:p>
-                      <a:pPr marL="0" marR="0" lvl="0" indent="0" algn="ctr" defTabSz="685800" rtl="0" eaLnBrk="1" fontAlgn="auto" latinLnBrk="0" hangingPunct="1">
-                        <a:lnSpc>
-                          <a:spcPct val="100000"/>
-                        </a:lnSpc>
-                        <a:spcBef>
-                          <a:spcPts val="0"/>
-                        </a:spcBef>
-                        <a:spcAft>
-                          <a:spcPts val="0"/>
-                        </a:spcAft>
-                        <a:buClrTx/>
-                        <a:buSzTx/>
-                        <a:buFontTx/>
-                        <a:buNone/>
-                        <a:tabLst/>
-                        <a:defRPr/>
-                      </a:pPr>
-                      <a:r>
-                        <a:rPr lang="en-US" sz="1400" b="0" dirty="0">
-                          <a:latin typeface="+mn-lt"/>
-                        </a:rPr>
-                        <a:t> (not a class)</a:t>
-                      </a:r>
-                    </a:p>
-                  </a:txBody>
-                  <a:tcPr/>
-                </a:tc>
-                <a:tc>
-                  <a:txBody>
-                    <a:bodyPr/>
-                    <a:lstStyle/>
-                    <a:p>
-                      <a:pPr algn="ctr"/>
-                      <a:r>
-                        <a:rPr lang="en-US" sz="1400" b="0" dirty="0">
-                          <a:latin typeface="+mn-lt"/>
-                        </a:rPr>
-                        <a:t>15%</a:t>
-                      </a:r>
-                    </a:p>
-                  </a:txBody>
-                  <a:tcPr/>
-                </a:tc>
-                <a:extLst>
-                  <a:ext uri="{0D108BD9-81ED-4DB2-BD59-A6C34878D82A}">
-                    <a16:rowId xmlns:a16="http://schemas.microsoft.com/office/drawing/2014/main" val="3658752334"/>
-                  </a:ext>
-                </a:extLst>
-              </a:tr>
-              <a:tr h="370840">
-                <a:tc>
-                  <a:txBody>
-                    <a:bodyPr/>
-                    <a:lstStyle/>
-                    <a:p>
-                      <a:r>
-                        <a:rPr lang="en-US" sz="1400" b="0" i="1" dirty="0">
-                          <a:latin typeface="+mn-lt"/>
-                        </a:rPr>
-                        <a:t>Class Participation</a:t>
-                      </a:r>
-                    </a:p>
-                  </a:txBody>
-                  <a:tcPr/>
-                </a:tc>
-                <a:tc>
-                  <a:txBody>
-                    <a:bodyPr/>
-                    <a:lstStyle/>
-                    <a:p>
-                      <a:pPr algn="ctr"/>
-                      <a:r>
-                        <a:rPr lang="en-US" sz="1400" b="0" i="1" dirty="0">
-                          <a:latin typeface="+mn-lt"/>
-                        </a:rPr>
-                        <a:t>NA</a:t>
-                      </a:r>
-                    </a:p>
-                  </a:txBody>
-                  <a:tcPr/>
-                </a:tc>
-                <a:tc>
-                  <a:txBody>
-                    <a:bodyPr/>
-                    <a:lstStyle/>
-                    <a:p>
-                      <a:pPr algn="ctr"/>
-                      <a:r>
-                        <a:rPr lang="en-US" sz="1400" b="0" i="1" dirty="0">
-                          <a:latin typeface="+mn-lt"/>
-                        </a:rPr>
-                        <a:t>10%</a:t>
-                      </a:r>
-                    </a:p>
-                  </a:txBody>
-                  <a:tcPr/>
-                </a:tc>
-                <a:extLst>
-                  <a:ext uri="{0D108BD9-81ED-4DB2-BD59-A6C34878D82A}">
-                    <a16:rowId xmlns:a16="http://schemas.microsoft.com/office/drawing/2014/main" val="1736105566"/>
-                  </a:ext>
-                </a:extLst>
-              </a:tr>
-            </a:tbl>
-          </a:graphicData>
-        </a:graphic>
-      </p:graphicFrame>
-    </p:spTree>
-    <p:extLst>
-      <p:ext uri="{BB962C8B-B14F-4D97-AF65-F5344CB8AC3E}">
-        <p14:creationId xmlns:p14="http://schemas.microsoft.com/office/powerpoint/2010/main" val="490415559"/>
-      </p:ext>
-    </p:extLst>
-  </p:cSld>
-  <p:clrMapOvr>
-    <a:masterClrMapping/>
-  </p:clrMapOvr>
-</p:sld>
-</file>
-
-<file path=ppt/slides/slide5.xml><?xml version="1.0" encoding="utf-8"?>
-<p:sld xmlns:a="http://schemas.openxmlformats.org/drawingml/2006/main" xmlns:r="http://schemas.openxmlformats.org/officeDocument/2006/relationships" xmlns:p="http://schemas.openxmlformats.org/presentationml/2006/main">
-  <p:cSld>
-    <p:spTree>
-      <p:nvGrpSpPr>
-        <p:cNvPr id="1" name=""/>
-        <p:cNvGrpSpPr/>
-        <p:nvPr/>
-      </p:nvGrpSpPr>
-      <p:grpSpPr>
-        <a:xfrm>
-          <a:off x="0" y="0"/>
-          <a:ext cx="0" cy="0"/>
-          <a:chOff x="0" y="0"/>
-          <a:chExt cx="0" cy="0"/>
-        </a:xfrm>
-      </p:grpSpPr>
-      <p:sp>
-        <p:nvSpPr>
-          <p:cNvPr id="2" name="Date Placeholder 1"/>
-          <p:cNvSpPr>
-            <a:spLocks noGrp="1"/>
-          </p:cNvSpPr>
-          <p:nvPr>
-            <p:ph type="dt" sz="half" idx="10"/>
-          </p:nvPr>
-        </p:nvSpPr>
-        <p:spPr/>
-        <p:txBody>
-          <a:bodyPr/>
-          <a:lstStyle/>
-          <a:p>
             <a:fld id="{3EAF0FFA-8F90-462F-B459-DAA5E85ECC85}" type="datetime1">
               <a:rPr lang="en-US" smtClean="0"/>
               <a:t>2/21/2022</a:t>
@@ -5529,7 +4681,7 @@
           <a:p>
             <a:fld id="{37290FF7-652B-4475-AEAB-8B1A5D23AE09}" type="slidenum">
               <a:rPr lang="en-US" smtClean="0"/>
-              <a:t>5</a:t>
+              <a:t>4</a:t>
             </a:fld>
             <a:endParaRPr lang="en-US"/>
           </a:p>
@@ -5923,7 +5075,7 @@
 </p:sld>
 </file>
 
-<file path=ppt/slides/slide6.xml><?xml version="1.0" encoding="utf-8"?>
+<file path=ppt/slides/slide5.xml><?xml version="1.0" encoding="utf-8"?>
 <p:sld xmlns:a="http://schemas.openxmlformats.org/drawingml/2006/main" xmlns:r="http://schemas.openxmlformats.org/officeDocument/2006/relationships" xmlns:p="http://schemas.openxmlformats.org/presentationml/2006/main">
   <p:cSld>
     <p:spTree>
@@ -6002,7 +5154,7 @@
           <a:p>
             <a:fld id="{37290FF7-652B-4475-AEAB-8B1A5D23AE09}" type="slidenum">
               <a:rPr lang="en-US" smtClean="0"/>
-              <a:t>6</a:t>
+              <a:t>5</a:t>
             </a:fld>
             <a:endParaRPr lang="en-US"/>
           </a:p>
@@ -6551,7 +5703,7 @@
 </p:sld>
 </file>
 
-<file path=ppt/slides/slide7.xml><?xml version="1.0" encoding="utf-8"?>
+<file path=ppt/slides/slide6.xml><?xml version="1.0" encoding="utf-8"?>
 <p:sld xmlns:a="http://schemas.openxmlformats.org/drawingml/2006/main" xmlns:r="http://schemas.openxmlformats.org/officeDocument/2006/relationships" xmlns:p="http://schemas.openxmlformats.org/presentationml/2006/main">
   <p:cSld>
     <p:spTree>
@@ -6630,7 +5782,7 @@
           <a:p>
             <a:fld id="{37290FF7-652B-4475-AEAB-8B1A5D23AE09}" type="slidenum">
               <a:rPr lang="en-US" smtClean="0"/>
-              <a:t>7</a:t>
+              <a:t>6</a:t>
             </a:fld>
             <a:endParaRPr lang="en-US"/>
           </a:p>
@@ -6954,7 +6106,7 @@
 </p:sld>
 </file>
 
-<file path=ppt/slides/slide8.xml><?xml version="1.0" encoding="utf-8"?>
+<file path=ppt/slides/slide7.xml><?xml version="1.0" encoding="utf-8"?>
 <p:sld xmlns:a="http://schemas.openxmlformats.org/drawingml/2006/main" xmlns:r="http://schemas.openxmlformats.org/officeDocument/2006/relationships" xmlns:p="http://schemas.openxmlformats.org/presentationml/2006/main">
   <p:cSld>
     <p:spTree>
@@ -7028,8 +6180,13 @@
           <a:p>
             <a:r>
               <a:rPr lang="en-US" dirty="0"/>
-              <a:t>Class Theme: Text Mining in Sports &amp; Policy</a:t>
-            </a:r>
+              <a:t>Class Theme: </a:t>
+            </a:r>
+            <a:r>
+              <a:rPr lang="en-US"/>
+              <a:t>Text Mining</a:t>
+            </a:r>
+            <a:endParaRPr lang="en-US" dirty="0"/>
           </a:p>
         </p:txBody>
       </p:sp>
@@ -7056,7 +6213,7 @@
           <a:p>
             <a:fld id="{37290FF7-652B-4475-AEAB-8B1A5D23AE09}" type="slidenum">
               <a:rPr lang="en-US" smtClean="0"/>
-              <a:t>8</a:t>
+              <a:t>7</a:t>
             </a:fld>
             <a:endParaRPr lang="en-US"/>
           </a:p>
